--- a/Présentation1.pptx
+++ b/Présentation1.pptx
@@ -13,7 +13,6 @@
     <p:sldId id="271" r:id="rId7"/>
     <p:sldId id="272" r:id="rId8"/>
     <p:sldId id="266" r:id="rId9"/>
-    <p:sldId id="267" r:id="rId10"/>
   </p:sldIdLst>
   <p:sldSz cx="12192000" cy="6858000"/>
   <p:notesSz cx="6858000" cy="9144000"/>
@@ -267,7 +266,7 @@
           <a:p>
             <a:fld id="{44D13A77-BF44-D745-8FEC-08C524425A47}" type="datetimeFigureOut">
               <a:rPr lang="fr-FR" smtClean="0"/>
-              <a:t>22/01/2022</a:t>
+              <a:t>18/03/2022</a:t>
             </a:fld>
             <a:endParaRPr lang="fr-FR"/>
           </a:p>
@@ -465,7 +464,7 @@
           <a:p>
             <a:fld id="{44D13A77-BF44-D745-8FEC-08C524425A47}" type="datetimeFigureOut">
               <a:rPr lang="fr-FR" smtClean="0"/>
-              <a:t>22/01/2022</a:t>
+              <a:t>18/03/2022</a:t>
             </a:fld>
             <a:endParaRPr lang="fr-FR"/>
           </a:p>
@@ -673,7 +672,7 @@
           <a:p>
             <a:fld id="{44D13A77-BF44-D745-8FEC-08C524425A47}" type="datetimeFigureOut">
               <a:rPr lang="fr-FR" smtClean="0"/>
-              <a:t>22/01/2022</a:t>
+              <a:t>18/03/2022</a:t>
             </a:fld>
             <a:endParaRPr lang="fr-FR"/>
           </a:p>
@@ -871,7 +870,7 @@
           <a:p>
             <a:fld id="{44D13A77-BF44-D745-8FEC-08C524425A47}" type="datetimeFigureOut">
               <a:rPr lang="fr-FR" smtClean="0"/>
-              <a:t>22/01/2022</a:t>
+              <a:t>18/03/2022</a:t>
             </a:fld>
             <a:endParaRPr lang="fr-FR"/>
           </a:p>
@@ -1146,7 +1145,7 @@
           <a:p>
             <a:fld id="{44D13A77-BF44-D745-8FEC-08C524425A47}" type="datetimeFigureOut">
               <a:rPr lang="fr-FR" smtClean="0"/>
-              <a:t>22/01/2022</a:t>
+              <a:t>18/03/2022</a:t>
             </a:fld>
             <a:endParaRPr lang="fr-FR"/>
           </a:p>
@@ -1411,7 +1410,7 @@
           <a:p>
             <a:fld id="{44D13A77-BF44-D745-8FEC-08C524425A47}" type="datetimeFigureOut">
               <a:rPr lang="fr-FR" smtClean="0"/>
-              <a:t>22/01/2022</a:t>
+              <a:t>18/03/2022</a:t>
             </a:fld>
             <a:endParaRPr lang="fr-FR"/>
           </a:p>
@@ -1823,7 +1822,7 @@
           <a:p>
             <a:fld id="{44D13A77-BF44-D745-8FEC-08C524425A47}" type="datetimeFigureOut">
               <a:rPr lang="fr-FR" smtClean="0"/>
-              <a:t>22/01/2022</a:t>
+              <a:t>18/03/2022</a:t>
             </a:fld>
             <a:endParaRPr lang="fr-FR"/>
           </a:p>
@@ -1964,7 +1963,7 @@
           <a:p>
             <a:fld id="{44D13A77-BF44-D745-8FEC-08C524425A47}" type="datetimeFigureOut">
               <a:rPr lang="fr-FR" smtClean="0"/>
-              <a:t>22/01/2022</a:t>
+              <a:t>18/03/2022</a:t>
             </a:fld>
             <a:endParaRPr lang="fr-FR"/>
           </a:p>
@@ -2077,7 +2076,7 @@
           <a:p>
             <a:fld id="{44D13A77-BF44-D745-8FEC-08C524425A47}" type="datetimeFigureOut">
               <a:rPr lang="fr-FR" smtClean="0"/>
-              <a:t>22/01/2022</a:t>
+              <a:t>18/03/2022</a:t>
             </a:fld>
             <a:endParaRPr lang="fr-FR"/>
           </a:p>
@@ -2388,7 +2387,7 @@
           <a:p>
             <a:fld id="{44D13A77-BF44-D745-8FEC-08C524425A47}" type="datetimeFigureOut">
               <a:rPr lang="fr-FR" smtClean="0"/>
-              <a:t>22/01/2022</a:t>
+              <a:t>18/03/2022</a:t>
             </a:fld>
             <a:endParaRPr lang="fr-FR"/>
           </a:p>
@@ -2676,7 +2675,7 @@
           <a:p>
             <a:fld id="{44D13A77-BF44-D745-8FEC-08C524425A47}" type="datetimeFigureOut">
               <a:rPr lang="fr-FR" smtClean="0"/>
-              <a:t>22/01/2022</a:t>
+              <a:t>18/03/2022</a:t>
             </a:fld>
             <a:endParaRPr lang="fr-FR"/>
           </a:p>
@@ -2917,7 +2916,7 @@
           <a:p>
             <a:fld id="{44D13A77-BF44-D745-8FEC-08C524425A47}" type="datetimeFigureOut">
               <a:rPr lang="fr-FR" smtClean="0"/>
-              <a:t>22/01/2022</a:t>
+              <a:t>18/03/2022</a:t>
             </a:fld>
             <a:endParaRPr lang="fr-FR"/>
           </a:p>
@@ -8533,572 +8532,178 @@
       </p:grpSpPr>
       <p:sp>
         <p:nvSpPr>
-          <p:cNvPr id="2" name="Titre 1">
-            <a:extLst>
-              <a:ext uri="{FF2B5EF4-FFF2-40B4-BE49-F238E27FC236}">
-                <a16:creationId xmlns:a16="http://schemas.microsoft.com/office/drawing/2014/main" id="{55215CC0-3D04-864A-B5B2-7C19091BA6D4}"/>
-              </a:ext>
-            </a:extLst>
-          </p:cNvPr>
-          <p:cNvSpPr>
-            <a:spLocks noGrp="1"/>
-          </p:cNvSpPr>
-          <p:nvPr>
-            <p:ph type="title"/>
-          </p:nvPr>
-        </p:nvSpPr>
-        <p:spPr/>
-        <p:txBody>
-          <a:bodyPr/>
-          <a:lstStyle/>
-          <a:p>
-            <a:r>
-              <a:rPr lang="fr-FR" dirty="0"/>
-              <a:t>Les correspondances </a:t>
-            </a:r>
-          </a:p>
-        </p:txBody>
-      </p:sp>
-      <p:graphicFrame>
-        <p:nvGraphicFramePr>
-          <p:cNvPr id="8" name="Tableau 8">
-            <a:extLst>
-              <a:ext uri="{FF2B5EF4-FFF2-40B4-BE49-F238E27FC236}">
-                <a16:creationId xmlns:a16="http://schemas.microsoft.com/office/drawing/2014/main" id="{1357A8C7-E338-E048-A47A-A298C494B2EB}"/>
-              </a:ext>
-            </a:extLst>
-          </p:cNvPr>
-          <p:cNvGraphicFramePr>
-            <a:graphicFrameLocks noGrp="1"/>
-          </p:cNvGraphicFramePr>
-          <p:nvPr>
-            <p:extLst>
-              <p:ext uri="{D42A27DB-BD31-4B8C-83A1-F6EECF244321}">
-                <p14:modId xmlns:p14="http://schemas.microsoft.com/office/powerpoint/2010/main" val="1562401575"/>
-              </p:ext>
-            </p:extLst>
-          </p:nvPr>
-        </p:nvGraphicFramePr>
-        <p:xfrm>
-          <a:off x="1660525" y="1948391"/>
-          <a:ext cx="8128000" cy="2225040"/>
-        </p:xfrm>
-        <a:graphic>
-          <a:graphicData uri="http://schemas.openxmlformats.org/drawingml/2006/table">
-            <a:tbl>
-              <a:tblPr firstRow="1" bandRow="1">
-                <a:tableStyleId>{073A0DAA-6AF3-43AB-8588-CEC1D06C72B9}</a:tableStyleId>
-              </a:tblPr>
-              <a:tblGrid>
-                <a:gridCol w="2032000">
-                  <a:extLst>
-                    <a:ext uri="{9D8B030D-6E8A-4147-A177-3AD203B41FA5}">
-                      <a16:colId xmlns:a16="http://schemas.microsoft.com/office/drawing/2014/main" val="480108843"/>
-                    </a:ext>
-                  </a:extLst>
-                </a:gridCol>
-                <a:gridCol w="2032000">
-                  <a:extLst>
-                    <a:ext uri="{9D8B030D-6E8A-4147-A177-3AD203B41FA5}">
-                      <a16:colId xmlns:a16="http://schemas.microsoft.com/office/drawing/2014/main" val="3941892266"/>
-                    </a:ext>
-                  </a:extLst>
-                </a:gridCol>
-                <a:gridCol w="2032000">
-                  <a:extLst>
-                    <a:ext uri="{9D8B030D-6E8A-4147-A177-3AD203B41FA5}">
-                      <a16:colId xmlns:a16="http://schemas.microsoft.com/office/drawing/2014/main" val="3712979222"/>
-                    </a:ext>
-                  </a:extLst>
-                </a:gridCol>
-                <a:gridCol w="2032000">
-                  <a:extLst>
-                    <a:ext uri="{9D8B030D-6E8A-4147-A177-3AD203B41FA5}">
-                      <a16:colId xmlns:a16="http://schemas.microsoft.com/office/drawing/2014/main" val="2359629019"/>
-                    </a:ext>
-                  </a:extLst>
-                </a:gridCol>
-              </a:tblGrid>
-              <a:tr h="370840">
-                <a:tc>
-                  <a:txBody>
-                    <a:bodyPr/>
-                    <a:lstStyle/>
-                    <a:p>
-                      <a:r>
-                        <a:rPr lang="fr-FR" dirty="0"/>
-                        <a:t>Forme</a:t>
-                      </a:r>
-                    </a:p>
-                  </a:txBody>
-                  <a:tcPr/>
-                </a:tc>
-                <a:tc>
-                  <a:txBody>
-                    <a:bodyPr/>
-                    <a:lstStyle/>
-                    <a:p>
-                      <a:r>
-                        <a:rPr lang="fr-FR" dirty="0"/>
-                        <a:t>Couleur</a:t>
-                      </a:r>
-                    </a:p>
-                  </a:txBody>
-                  <a:tcPr/>
-                </a:tc>
-                <a:tc>
-                  <a:txBody>
-                    <a:bodyPr/>
-                    <a:lstStyle/>
-                    <a:p>
-                      <a:r>
-                        <a:rPr lang="fr-FR" dirty="0"/>
-                        <a:t>Numéro</a:t>
-                      </a:r>
-                    </a:p>
-                  </a:txBody>
-                  <a:tcPr/>
-                </a:tc>
-                <a:tc>
-                  <a:txBody>
-                    <a:bodyPr/>
-                    <a:lstStyle/>
-                    <a:p>
-                      <a:r>
-                        <a:rPr lang="fr-FR" dirty="0"/>
-                        <a:t>Dans le jeu ?</a:t>
-                      </a:r>
-                    </a:p>
-                  </a:txBody>
-                  <a:tcPr/>
-                </a:tc>
-                <a:extLst>
-                  <a:ext uri="{0D108BD9-81ED-4DB2-BD59-A6C34878D82A}">
-                    <a16:rowId xmlns:a16="http://schemas.microsoft.com/office/drawing/2014/main" val="3868815434"/>
-                  </a:ext>
-                </a:extLst>
-              </a:tr>
-              <a:tr h="370840">
-                <a:tc>
-                  <a:txBody>
-                    <a:bodyPr/>
-                    <a:lstStyle/>
-                    <a:p>
-                      <a:r>
-                        <a:rPr lang="fr-FR" dirty="0"/>
-                        <a:t>Rond</a:t>
-                      </a:r>
-                    </a:p>
-                  </a:txBody>
-                  <a:tcPr/>
-                </a:tc>
-                <a:tc>
-                  <a:txBody>
-                    <a:bodyPr/>
-                    <a:lstStyle/>
-                    <a:p>
-                      <a:r>
-                        <a:rPr lang="fr-FR" dirty="0"/>
-                        <a:t>Rouge</a:t>
-                      </a:r>
-                    </a:p>
-                  </a:txBody>
-                  <a:tcPr/>
-                </a:tc>
-                <a:tc>
-                  <a:txBody>
-                    <a:bodyPr/>
-                    <a:lstStyle/>
-                    <a:p>
-                      <a:r>
-                        <a:rPr lang="fr-FR" dirty="0"/>
-                        <a:t>1 à 3</a:t>
-                      </a:r>
-                    </a:p>
-                  </a:txBody>
-                  <a:tcPr/>
-                </a:tc>
-                <a:tc>
-                  <a:txBody>
-                    <a:bodyPr/>
-                    <a:lstStyle/>
-                    <a:p>
-                      <a:r>
-                        <a:rPr lang="fr-FR" dirty="0"/>
-                        <a:t>0 ou 1</a:t>
-                      </a:r>
-                    </a:p>
-                  </a:txBody>
-                  <a:tcPr/>
-                </a:tc>
-                <a:extLst>
-                  <a:ext uri="{0D108BD9-81ED-4DB2-BD59-A6C34878D82A}">
-                    <a16:rowId xmlns:a16="http://schemas.microsoft.com/office/drawing/2014/main" val="2665639649"/>
-                  </a:ext>
-                </a:extLst>
-              </a:tr>
-              <a:tr h="370840">
-                <a:tc>
-                  <a:txBody>
-                    <a:bodyPr/>
-                    <a:lstStyle/>
-                    <a:p>
-                      <a:endParaRPr lang="fr-FR"/>
-                    </a:p>
-                  </a:txBody>
-                  <a:tcPr/>
-                </a:tc>
-                <a:tc>
-                  <a:txBody>
-                    <a:bodyPr/>
-                    <a:lstStyle/>
-                    <a:p>
-                      <a:endParaRPr lang="fr-FR"/>
-                    </a:p>
-                  </a:txBody>
-                  <a:tcPr/>
-                </a:tc>
-                <a:tc>
-                  <a:txBody>
-                    <a:bodyPr/>
-                    <a:lstStyle/>
-                    <a:p>
-                      <a:endParaRPr lang="fr-FR"/>
-                    </a:p>
-                  </a:txBody>
-                  <a:tcPr/>
-                </a:tc>
-                <a:tc>
-                  <a:txBody>
-                    <a:bodyPr/>
-                    <a:lstStyle/>
-                    <a:p>
-                      <a:endParaRPr lang="fr-FR"/>
-                    </a:p>
-                  </a:txBody>
-                  <a:tcPr/>
-                </a:tc>
-                <a:extLst>
-                  <a:ext uri="{0D108BD9-81ED-4DB2-BD59-A6C34878D82A}">
-                    <a16:rowId xmlns:a16="http://schemas.microsoft.com/office/drawing/2014/main" val="3051195355"/>
-                  </a:ext>
-                </a:extLst>
-              </a:tr>
-              <a:tr h="370840">
-                <a:tc>
-                  <a:txBody>
-                    <a:bodyPr/>
-                    <a:lstStyle/>
-                    <a:p>
-                      <a:endParaRPr lang="fr-FR"/>
-                    </a:p>
-                  </a:txBody>
-                  <a:tcPr/>
-                </a:tc>
-                <a:tc>
-                  <a:txBody>
-                    <a:bodyPr/>
-                    <a:lstStyle/>
-                    <a:p>
-                      <a:endParaRPr lang="fr-FR"/>
-                    </a:p>
-                  </a:txBody>
-                  <a:tcPr/>
-                </a:tc>
-                <a:tc>
-                  <a:txBody>
-                    <a:bodyPr/>
-                    <a:lstStyle/>
-                    <a:p>
-                      <a:endParaRPr lang="fr-FR"/>
-                    </a:p>
-                  </a:txBody>
-                  <a:tcPr/>
-                </a:tc>
-                <a:tc>
-                  <a:txBody>
-                    <a:bodyPr/>
-                    <a:lstStyle/>
-                    <a:p>
-                      <a:endParaRPr lang="fr-FR"/>
-                    </a:p>
-                  </a:txBody>
-                  <a:tcPr/>
-                </a:tc>
-                <a:extLst>
-                  <a:ext uri="{0D108BD9-81ED-4DB2-BD59-A6C34878D82A}">
-                    <a16:rowId xmlns:a16="http://schemas.microsoft.com/office/drawing/2014/main" val="3232008920"/>
-                  </a:ext>
-                </a:extLst>
-              </a:tr>
-              <a:tr h="370840">
-                <a:tc>
-                  <a:txBody>
-                    <a:bodyPr/>
-                    <a:lstStyle/>
-                    <a:p>
-                      <a:endParaRPr lang="fr-FR"/>
-                    </a:p>
-                  </a:txBody>
-                  <a:tcPr/>
-                </a:tc>
-                <a:tc>
-                  <a:txBody>
-                    <a:bodyPr/>
-                    <a:lstStyle/>
-                    <a:p>
-                      <a:endParaRPr lang="fr-FR"/>
-                    </a:p>
-                  </a:txBody>
-                  <a:tcPr/>
-                </a:tc>
-                <a:tc>
-                  <a:txBody>
-                    <a:bodyPr/>
-                    <a:lstStyle/>
-                    <a:p>
-                      <a:endParaRPr lang="fr-FR"/>
-                    </a:p>
-                  </a:txBody>
-                  <a:tcPr/>
-                </a:tc>
-                <a:tc>
-                  <a:txBody>
-                    <a:bodyPr/>
-                    <a:lstStyle/>
-                    <a:p>
-                      <a:endParaRPr lang="fr-FR"/>
-                    </a:p>
-                  </a:txBody>
-                  <a:tcPr/>
-                </a:tc>
-                <a:extLst>
-                  <a:ext uri="{0D108BD9-81ED-4DB2-BD59-A6C34878D82A}">
-                    <a16:rowId xmlns:a16="http://schemas.microsoft.com/office/drawing/2014/main" val="3908083741"/>
-                  </a:ext>
-                </a:extLst>
-              </a:tr>
-              <a:tr h="370840">
-                <a:tc>
-                  <a:txBody>
-                    <a:bodyPr/>
-                    <a:lstStyle/>
-                    <a:p>
-                      <a:endParaRPr lang="fr-FR"/>
-                    </a:p>
-                  </a:txBody>
-                  <a:tcPr/>
-                </a:tc>
-                <a:tc>
-                  <a:txBody>
-                    <a:bodyPr/>
-                    <a:lstStyle/>
-                    <a:p>
-                      <a:endParaRPr lang="fr-FR"/>
-                    </a:p>
-                  </a:txBody>
-                  <a:tcPr/>
-                </a:tc>
-                <a:tc>
-                  <a:txBody>
-                    <a:bodyPr/>
-                    <a:lstStyle/>
-                    <a:p>
-                      <a:endParaRPr lang="fr-FR"/>
-                    </a:p>
-                  </a:txBody>
-                  <a:tcPr/>
-                </a:tc>
-                <a:tc>
-                  <a:txBody>
-                    <a:bodyPr/>
-                    <a:lstStyle/>
-                    <a:p>
-                      <a:endParaRPr lang="fr-FR" dirty="0"/>
-                    </a:p>
-                  </a:txBody>
-                  <a:tcPr/>
-                </a:tc>
-                <a:extLst>
-                  <a:ext uri="{0D108BD9-81ED-4DB2-BD59-A6C34878D82A}">
-                    <a16:rowId xmlns:a16="http://schemas.microsoft.com/office/drawing/2014/main" val="2975397378"/>
-                  </a:ext>
-                </a:extLst>
-              </a:tr>
-            </a:tbl>
-          </a:graphicData>
-        </a:graphic>
-      </p:graphicFrame>
-    </p:spTree>
-    <p:extLst>
-      <p:ext uri="{BB962C8B-B14F-4D97-AF65-F5344CB8AC3E}">
-        <p14:creationId xmlns:p14="http://schemas.microsoft.com/office/powerpoint/2010/main" val="525791858"/>
-      </p:ext>
-    </p:extLst>
-  </p:cSld>
-  <p:clrMapOvr>
-    <a:masterClrMapping/>
-  </p:clrMapOvr>
-</p:sld>
-</file>
-
-<file path=ppt/slides/slide9.xml><?xml version="1.0" encoding="utf-8"?>
-<p:sld xmlns:a="http://schemas.openxmlformats.org/drawingml/2006/main" xmlns:r="http://schemas.openxmlformats.org/officeDocument/2006/relationships" xmlns:p="http://schemas.openxmlformats.org/presentationml/2006/main">
-  <p:cSld>
-    <p:spTree>
-      <p:nvGrpSpPr>
-        <p:cNvPr id="1" name=""/>
-        <p:cNvGrpSpPr/>
-        <p:nvPr/>
-      </p:nvGrpSpPr>
-      <p:grpSpPr>
-        <a:xfrm>
-          <a:off x="0" y="0"/>
-          <a:ext cx="0" cy="0"/>
-          <a:chOff x="0" y="0"/>
-          <a:chExt cx="0" cy="0"/>
-        </a:xfrm>
-      </p:grpSpPr>
-      <p:sp>
-        <p:nvSpPr>
-          <p:cNvPr id="2" name="Titre 1">
-            <a:extLst>
-              <a:ext uri="{FF2B5EF4-FFF2-40B4-BE49-F238E27FC236}">
-                <a16:creationId xmlns:a16="http://schemas.microsoft.com/office/drawing/2014/main" id="{EA34DFDD-3F69-6649-A207-D527C3A0BE18}"/>
-              </a:ext>
-            </a:extLst>
-          </p:cNvPr>
-          <p:cNvSpPr>
-            <a:spLocks noGrp="1"/>
-          </p:cNvSpPr>
-          <p:nvPr>
-            <p:ph type="title"/>
-          </p:nvPr>
-        </p:nvSpPr>
-        <p:spPr/>
-        <p:txBody>
-          <a:bodyPr/>
-          <a:lstStyle/>
-          <a:p>
-            <a:r>
-              <a:rPr lang="fr-FR" dirty="0"/>
-              <a:t>Etape 1 : Générer le stock de pièces</a:t>
-            </a:r>
-          </a:p>
-        </p:txBody>
-      </p:sp>
-      <p:sp>
-        <p:nvSpPr>
-          <p:cNvPr id="4" name="Titre 1">
-            <a:extLst>
-              <a:ext uri="{FF2B5EF4-FFF2-40B4-BE49-F238E27FC236}">
-                <a16:creationId xmlns:a16="http://schemas.microsoft.com/office/drawing/2014/main" id="{5CE08801-F4EE-0446-B959-765444B17917}"/>
-              </a:ext>
-            </a:extLst>
-          </p:cNvPr>
-          <p:cNvSpPr txBox="1">
-            <a:spLocks/>
-          </p:cNvSpPr>
+          <p:cNvPr id="5" name="ZoneTexte 4">
+            <a:extLst>
+              <a:ext uri="{FF2B5EF4-FFF2-40B4-BE49-F238E27FC236}">
+                <a16:creationId xmlns:a16="http://schemas.microsoft.com/office/drawing/2014/main" id="{AB81A139-5300-884D-A89C-BB8F653DB46E}"/>
+              </a:ext>
+            </a:extLst>
+          </p:cNvPr>
+          <p:cNvSpPr txBox="1"/>
           <p:nvPr/>
         </p:nvSpPr>
         <p:spPr>
           <a:xfrm>
-            <a:off x="838200" y="1129903"/>
-            <a:ext cx="10515600" cy="1325563"/>
+            <a:off x="2414671" y="2413337"/>
+            <a:ext cx="7362657" cy="2031325"/>
+          </a:xfrm>
+          <a:prstGeom prst="rect">
+            <a:avLst/>
+          </a:prstGeom>
+          <a:noFill/>
+        </p:spPr>
+        <p:txBody>
+          <a:bodyPr wrap="none" rtlCol="0">
+            <a:spAutoFit/>
+          </a:bodyPr>
+          <a:lstStyle/>
+          <a:p>
+            <a:pPr marL="342900" indent="-342900">
+              <a:buAutoNum type="arabicPeriod"/>
+            </a:pPr>
+            <a:r>
+              <a:rPr lang="fr-FR" dirty="0"/>
+              <a:t>Sélectionnez le nombre de joueurs et renseignez les noms</a:t>
+            </a:r>
+          </a:p>
+          <a:p>
+            <a:pPr marL="342900" indent="-342900">
+              <a:buAutoNum type="arabicPeriod"/>
+            </a:pPr>
+            <a:r>
+              <a:rPr lang="fr-FR" dirty="0"/>
+              <a:t>Cliquez sur le bouton : </a:t>
+            </a:r>
+          </a:p>
+          <a:p>
+            <a:pPr marL="342900" indent="-342900">
+              <a:buAutoNum type="arabicPeriod"/>
+            </a:pPr>
+            <a:r>
+              <a:rPr lang="fr-FR" dirty="0"/>
+              <a:t>Chaque joueur joue tour à tour. 2 actions sont possibles : </a:t>
+            </a:r>
+          </a:p>
+          <a:p>
+            <a:r>
+              <a:rPr lang="fr-FR" dirty="0"/>
+              <a:t>	- Déplacer un ou plusieurs pions sur le plateau</a:t>
+            </a:r>
+          </a:p>
+          <a:p>
+            <a:r>
+              <a:rPr lang="fr-FR" dirty="0"/>
+              <a:t>	- Echanger un ou plusieurs pions en les plaçant un par un sur le sac</a:t>
+            </a:r>
+          </a:p>
+          <a:p>
+            <a:r>
+              <a:rPr lang="fr-FR" dirty="0"/>
+              <a:t>4.   A chaque fin de tour, cliquez sur : </a:t>
+            </a:r>
+          </a:p>
+          <a:p>
+            <a:r>
+              <a:rPr lang="fr-FR" dirty="0"/>
+              <a:t>5.   La partie se termine quand un des joueurs a posé tous ses pions </a:t>
+            </a:r>
+          </a:p>
+        </p:txBody>
+      </p:sp>
+      <p:pic>
+        <p:nvPicPr>
+          <p:cNvPr id="7" name="Image 6">
+            <a:extLst>
+              <a:ext uri="{FF2B5EF4-FFF2-40B4-BE49-F238E27FC236}">
+                <a16:creationId xmlns:a16="http://schemas.microsoft.com/office/drawing/2014/main" id="{0B935CC9-B1EC-2B47-BE6C-9511D740DB8D}"/>
+              </a:ext>
+            </a:extLst>
+          </p:cNvPr>
+          <p:cNvPicPr>
+            <a:picLocks noChangeAspect="1"/>
+          </p:cNvPicPr>
+          <p:nvPr/>
+        </p:nvPicPr>
+        <p:blipFill>
+          <a:blip r:embed="rId2"/>
+          <a:stretch>
+            <a:fillRect/>
+          </a:stretch>
+        </p:blipFill>
+        <p:spPr>
+          <a:xfrm>
+            <a:off x="9675728" y="3538562"/>
+            <a:ext cx="330200" cy="321945"/>
           </a:xfrm>
           <a:prstGeom prst="rect">
             <a:avLst/>
           </a:prstGeom>
         </p:spPr>
-        <p:txBody>
-          <a:bodyPr vert="horz" lIns="91440" tIns="45720" rIns="91440" bIns="45720" rtlCol="0" anchor="ctr">
-            <a:normAutofit/>
-          </a:bodyPr>
-          <a:lstStyle>
-            <a:lvl1pPr algn="l" defTabSz="914400" rtl="0" eaLnBrk="1" latinLnBrk="0" hangingPunct="1">
-              <a:lnSpc>
-                <a:spcPct val="90000"/>
-              </a:lnSpc>
-              <a:spcBef>
-                <a:spcPct val="0"/>
-              </a:spcBef>
-              <a:buNone/>
-              <a:defRPr sz="4400" kern="1200">
-                <a:solidFill>
-                  <a:schemeClr val="tx1"/>
-                </a:solidFill>
-                <a:latin typeface="+mj-lt"/>
-                <a:ea typeface="+mj-ea"/>
-                <a:cs typeface="+mj-cs"/>
-              </a:defRPr>
-            </a:lvl1pPr>
-          </a:lstStyle>
-          <a:p>
-            <a:r>
-              <a:rPr lang="fr-FR" dirty="0"/>
-              <a:t>Etape 2 : Créer la grille pour jouer (36x36)</a:t>
-            </a:r>
-          </a:p>
-        </p:txBody>
-      </p:sp>
-      <p:sp>
-        <p:nvSpPr>
-          <p:cNvPr id="5" name="Titre 1">
-            <a:extLst>
-              <a:ext uri="{FF2B5EF4-FFF2-40B4-BE49-F238E27FC236}">
-                <a16:creationId xmlns:a16="http://schemas.microsoft.com/office/drawing/2014/main" id="{A88A24E3-44D8-F44E-BE72-F9E90A0A7A8B}"/>
-              </a:ext>
-            </a:extLst>
-          </p:cNvPr>
-          <p:cNvSpPr txBox="1">
-            <a:spLocks/>
-          </p:cNvSpPr>
+      </p:pic>
+      <p:pic>
+        <p:nvPicPr>
+          <p:cNvPr id="10" name="Image 9">
+            <a:extLst>
+              <a:ext uri="{FF2B5EF4-FFF2-40B4-BE49-F238E27FC236}">
+                <a16:creationId xmlns:a16="http://schemas.microsoft.com/office/drawing/2014/main" id="{9F1D3DBA-0AC8-2E44-890D-59BC09166622}"/>
+              </a:ext>
+            </a:extLst>
+          </p:cNvPr>
+          <p:cNvPicPr>
+            <a:picLocks noChangeAspect="1"/>
+          </p:cNvPicPr>
           <p:nvPr/>
-        </p:nvSpPr>
+        </p:nvPicPr>
+        <p:blipFill>
+          <a:blip r:embed="rId3"/>
+          <a:stretch>
+            <a:fillRect/>
+          </a:stretch>
+        </p:blipFill>
         <p:spPr>
           <a:xfrm>
-            <a:off x="838200" y="1894681"/>
-            <a:ext cx="10515600" cy="1325563"/>
+            <a:off x="4980071" y="2698457"/>
+            <a:ext cx="1408222" cy="337180"/>
           </a:xfrm>
           <a:prstGeom prst="rect">
             <a:avLst/>
           </a:prstGeom>
         </p:spPr>
-        <p:txBody>
-          <a:bodyPr vert="horz" lIns="91440" tIns="45720" rIns="91440" bIns="45720" rtlCol="0" anchor="ctr">
-            <a:normAutofit/>
-          </a:bodyPr>
-          <a:lstStyle>
-            <a:lvl1pPr algn="l" defTabSz="914400" rtl="0" eaLnBrk="1" latinLnBrk="0" hangingPunct="1">
-              <a:lnSpc>
-                <a:spcPct val="90000"/>
-              </a:lnSpc>
-              <a:spcBef>
-                <a:spcPct val="0"/>
-              </a:spcBef>
-              <a:buNone/>
-              <a:defRPr sz="4400" kern="1200">
-                <a:solidFill>
-                  <a:schemeClr val="tx1"/>
-                </a:solidFill>
-                <a:latin typeface="+mj-lt"/>
-                <a:ea typeface="+mj-ea"/>
-                <a:cs typeface="+mj-cs"/>
-              </a:defRPr>
-            </a:lvl1pPr>
-          </a:lstStyle>
-          <a:p>
-            <a:r>
-              <a:rPr lang="fr-FR" dirty="0"/>
-              <a:t>Etape 3 : Mélanger le tableau</a:t>
-            </a:r>
-          </a:p>
-        </p:txBody>
-      </p:sp>
+      </p:pic>
+      <p:pic>
+        <p:nvPicPr>
+          <p:cNvPr id="12" name="Image 11" descr="Une image contenant texte, frappant, joueur, capture d’écran&#10;&#10;Description générée automatiquement">
+            <a:extLst>
+              <a:ext uri="{FF2B5EF4-FFF2-40B4-BE49-F238E27FC236}">
+                <a16:creationId xmlns:a16="http://schemas.microsoft.com/office/drawing/2014/main" id="{49C14323-EB17-7A43-ADF1-E3BC3E1205D8}"/>
+              </a:ext>
+            </a:extLst>
+          </p:cNvPr>
+          <p:cNvPicPr>
+            <a:picLocks noChangeAspect="1"/>
+          </p:cNvPicPr>
+          <p:nvPr/>
+        </p:nvPicPr>
+        <p:blipFill>
+          <a:blip r:embed="rId4"/>
+          <a:stretch>
+            <a:fillRect/>
+          </a:stretch>
+        </p:blipFill>
+        <p:spPr>
+          <a:xfrm>
+            <a:off x="5945271" y="3809707"/>
+            <a:ext cx="1193800" cy="337180"/>
+          </a:xfrm>
+          <a:prstGeom prst="rect">
+            <a:avLst/>
+          </a:prstGeom>
+        </p:spPr>
+      </p:pic>
     </p:spTree>
     <p:extLst>
       <p:ext uri="{BB962C8B-B14F-4D97-AF65-F5344CB8AC3E}">
-        <p14:creationId xmlns:p14="http://schemas.microsoft.com/office/powerpoint/2010/main" val="3219836875"/>
+        <p14:creationId xmlns:p14="http://schemas.microsoft.com/office/powerpoint/2010/main" val="525791858"/>
       </p:ext>
     </p:extLst>
   </p:cSld>
